--- a/Slides/Aula3.pptx
+++ b/Slides/Aula3.pptx
@@ -22,6 +22,7 @@
     <p:sldId id="270" r:id="rId16"/>
     <p:sldId id="271" r:id="rId17"/>
     <p:sldId id="272" r:id="rId18"/>
+    <p:sldId id="273" r:id="rId19"/>
   </p:sldIdLst>
   <p:sldSz cx="9144000" cy="6858000" type="screen4x3"/>
   <p:notesSz cx="6858000" cy="9144000"/>
@@ -2881,7 +2882,7 @@
             <a:fld id="{0A98AF03-7270-45C2-A683-C5E353EF01A5}" type="datetime4">
               <a:rPr lang="en-US" smtClean="0"/>
               <a:pPr/>
-              <a:t>May 6, 2015</a:t>
+              <a:t>June 17, 2015</a:t>
             </a:fld>
             <a:endParaRPr lang="en-US" dirty="0"/>
           </a:p>
@@ -3168,7 +3169,7 @@
             <a:fld id="{A2FB5AFD-D735-4504-A039-ADEBB6448D55}" type="datetime4">
               <a:rPr lang="en-US" smtClean="0"/>
               <a:pPr/>
-              <a:t>May 6, 2015</a:t>
+              <a:t>June 17, 2015</a:t>
             </a:fld>
             <a:endParaRPr lang="en-US"/>
           </a:p>
@@ -3345,7 +3346,7 @@
             <a:fld id="{AB5C8118-FB93-4E87-B380-0175F2FE2167}" type="datetime4">
               <a:rPr lang="en-US" smtClean="0"/>
               <a:pPr/>
-              <a:t>May 6, 2015</a:t>
+              <a:t>June 17, 2015</a:t>
             </a:fld>
             <a:endParaRPr lang="en-US"/>
           </a:p>
@@ -3512,7 +3513,7 @@
             <a:fld id="{05A93482-8E69-40F7-BCAD-5662A6CADB27}" type="datetime4">
               <a:rPr lang="en-US" smtClean="0"/>
               <a:pPr/>
-              <a:t>May 6, 2015</a:t>
+              <a:t>June 17, 2015</a:t>
             </a:fld>
             <a:endParaRPr lang="en-US"/>
           </a:p>
@@ -3755,7 +3756,7 @@
             <a:fld id="{FBB7EAE1-CAAC-4AEF-919E-158692B1E55E}" type="datetime4">
               <a:rPr lang="en-US" smtClean="0"/>
               <a:pPr/>
-              <a:t>May 6, 2015</a:t>
+              <a:t>June 17, 2015</a:t>
             </a:fld>
             <a:endParaRPr lang="en-US"/>
           </a:p>
@@ -3870,7 +3871,7 @@
             <a:fld id="{9525A706-D8F2-4D1A-855A-CADC92600C26}" type="datetime4">
               <a:rPr lang="en-US" smtClean="0"/>
               <a:pPr/>
-              <a:t>May 6, 2015</a:t>
+              <a:t>June 17, 2015</a:t>
             </a:fld>
             <a:endParaRPr lang="en-US"/>
           </a:p>
@@ -4411,7 +4412,7 @@
             <a:fld id="{99B4F123-1704-49AC-9D15-C4B1462B8014}" type="datetime4">
               <a:rPr lang="en-US" smtClean="0"/>
               <a:pPr/>
-              <a:t>May 6, 2015</a:t>
+              <a:t>June 17, 2015</a:t>
             </a:fld>
             <a:endParaRPr lang="en-US"/>
           </a:p>
@@ -4526,7 +4527,7 @@
             <a:fld id="{E3127EC2-47FB-48A1-8644-C8A81DDAA119}" type="datetime4">
               <a:rPr lang="en-US" smtClean="0"/>
               <a:pPr/>
-              <a:t>May 6, 2015</a:t>
+              <a:t>June 17, 2015</a:t>
             </a:fld>
             <a:endParaRPr lang="en-US"/>
           </a:p>
@@ -4618,7 +4619,7 @@
             <a:fld id="{AE3EC3ED-7435-49F9-84C8-03CCA2F8DEDB}" type="datetime4">
               <a:rPr lang="en-US" smtClean="0"/>
               <a:pPr/>
-              <a:t>May 6, 2015</a:t>
+              <a:t>June 17, 2015</a:t>
             </a:fld>
             <a:endParaRPr lang="en-US"/>
           </a:p>
@@ -7271,7 +7272,7 @@
             <a:fld id="{3FC49BF1-FCD3-4395-8FF6-0047AF66228E}" type="datetime4">
               <a:rPr lang="en-US" smtClean="0"/>
               <a:pPr/>
-              <a:t>May 6, 2015</a:t>
+              <a:t>June 17, 2015</a:t>
             </a:fld>
             <a:endParaRPr lang="en-US"/>
           </a:p>
@@ -10485,7 +10486,7 @@
             <a:fld id="{CA861222-2C8B-4501-BE87-6797EC025925}" type="datetime4">
               <a:rPr lang="en-US" smtClean="0"/>
               <a:pPr/>
-              <a:t>May 6, 2015</a:t>
+              <a:t>June 17, 2015</a:t>
             </a:fld>
             <a:endParaRPr lang="en-US"/>
           </a:p>
@@ -13309,7 +13310,7 @@
             <a:fld id="{16C01193-8287-4834-A286-6B880643E934}" type="datetime4">
               <a:rPr lang="en-US" smtClean="0"/>
               <a:pPr/>
-              <a:t>May 6, 2015</a:t>
+              <a:t>June 17, 2015</a:t>
             </a:fld>
             <a:endParaRPr lang="en-US"/>
           </a:p>
@@ -13871,11 +13872,7 @@
           <a:p>
             <a:r>
               <a:rPr lang="pt-BR" smtClean="0"/>
-              <a:t>Tipagem Din</a:t>
-            </a:r>
-            <a:r>
-              <a:rPr lang="pt-BR" smtClean="0"/>
-              <a:t>âmica</a:t>
+              <a:t>Tipagem Dinâmica</a:t>
             </a:r>
             <a:endParaRPr lang="pt-BR"/>
           </a:p>
@@ -14388,11 +14385,7 @@
           <a:p>
             <a:r>
               <a:rPr lang="pt-BR" smtClean="0"/>
-              <a:t>Tipagem Din</a:t>
-            </a:r>
-            <a:r>
-              <a:rPr lang="pt-BR" smtClean="0"/>
-              <a:t>âmica</a:t>
+              <a:t>Tipagem Dinâmica</a:t>
             </a:r>
             <a:endParaRPr lang="pt-BR"/>
           </a:p>
@@ -14463,11 +14456,7 @@
             <a:pPr algn="ctr"/>
             <a:r>
               <a:rPr lang="pt-BR" smtClean="0"/>
-              <a:t>Erro de compila</a:t>
-            </a:r>
-            <a:r>
-              <a:rPr lang="pt-BR" smtClean="0"/>
-              <a:t>ção!</a:t>
+              <a:t>Erro de compilação!</a:t>
             </a:r>
           </a:p>
         </p:txBody>
@@ -14881,11 +14870,7 @@
           <a:p>
             <a:r>
               <a:rPr lang="pt-BR" smtClean="0"/>
-              <a:t>Introspec</a:t>
-            </a:r>
-            <a:r>
-              <a:rPr lang="pt-BR" smtClean="0"/>
-              <a:t>ção e Selector</a:t>
+              <a:t>Introspecção e Selector</a:t>
             </a:r>
             <a:endParaRPr lang="pt-BR"/>
           </a:p>
@@ -14927,11 +14912,7 @@
             </a:r>
             <a:r>
               <a:rPr lang="pt-BR" dirty="0" smtClean="0"/>
-              <a:t> sabem fazer introspec</a:t>
-            </a:r>
-            <a:r>
-              <a:rPr lang="pt-BR" dirty="0" smtClean="0"/>
-              <a:t>ção:</a:t>
+              <a:t> sabem fazer introspecção:</a:t>
             </a:r>
           </a:p>
           <a:p>
@@ -14975,11 +14956,7 @@
             </a:r>
             <a:r>
               <a:rPr lang="pt-BR" dirty="0" smtClean="0"/>
-              <a:t>, se o objeto for do mesmo tipo do par</a:t>
-            </a:r>
-            <a:r>
-              <a:rPr lang="pt-BR" dirty="0" smtClean="0"/>
-              <a:t>âmetro (incluindo a árvore de herança)</a:t>
+              <a:t>, se o objeto for do mesmo tipo do parâmetro (incluindo a árvore de herança)</a:t>
             </a:r>
           </a:p>
           <a:p>
@@ -15103,17 +15080,12 @@
             </a:r>
             <a:r>
               <a:rPr lang="en-US" dirty="0" err="1" smtClean="0"/>
-              <a:t>m</a:t>
-            </a:r>
-            <a:r>
-              <a:rPr lang="en-US" dirty="0" err="1" smtClean="0"/>
-              <a:t>étodo</a:t>
+              <a:t>método</a:t>
             </a:r>
             <a:r>
               <a:rPr lang="en-US" dirty="0" smtClean="0"/>
               <a:t>)</a:t>
             </a:r>
-            <a:endParaRPr lang="en-US" dirty="0" smtClean="0"/>
           </a:p>
         </p:txBody>
       </p:sp>
@@ -15486,11 +15458,7 @@
           <a:p>
             <a:r>
               <a:rPr lang="en-US" dirty="0" err="1" smtClean="0"/>
-              <a:t>Introspec</a:t>
-            </a:r>
-            <a:r>
-              <a:rPr lang="en-US" dirty="0" err="1" smtClean="0"/>
-              <a:t>ção</a:t>
+              <a:t>Introspecção</a:t>
             </a:r>
             <a:r>
               <a:rPr lang="en-US" dirty="0" smtClean="0"/>
@@ -15579,11 +15547,7 @@
           <a:p>
             <a:r>
               <a:rPr lang="en-US" dirty="0" err="1" smtClean="0"/>
-              <a:t>Introspec</a:t>
-            </a:r>
-            <a:r>
-              <a:rPr lang="en-US" dirty="0" err="1" smtClean="0"/>
-              <a:t>ção</a:t>
+              <a:t>Introspecção</a:t>
             </a:r>
             <a:r>
               <a:rPr lang="en-US" dirty="0" smtClean="0"/>
@@ -15683,11 +15647,7 @@
             </a:r>
             <a:r>
               <a:rPr lang="pt-BR" dirty="0" smtClean="0"/>
-              <a:t> em uma vari</a:t>
-            </a:r>
-            <a:r>
-              <a:rPr lang="pt-BR" dirty="0" smtClean="0"/>
-              <a:t>ável</a:t>
+              <a:t> em uma variável</a:t>
             </a:r>
             <a:endParaRPr lang="pt-BR" dirty="0"/>
           </a:p>
@@ -15853,11 +15813,7 @@
             </a:r>
             <a:r>
               <a:rPr lang="pt-BR" dirty="0" smtClean="0"/>
-              <a:t> din</a:t>
-            </a:r>
-            <a:r>
-              <a:rPr lang="pt-BR" dirty="0" smtClean="0"/>
-              <a:t>âmica e introspecção, o conceito de protocolo ganha um novo significado!</a:t>
+              <a:t> dinâmica e introspecção, o conceito de protocolo ganha um novo significado!</a:t>
             </a:r>
             <a:endParaRPr lang="pt-BR" dirty="0"/>
           </a:p>
@@ -16019,15 +15975,7 @@
             </a:r>
             <a:r>
               <a:rPr lang="pt-BR" dirty="0" smtClean="0"/>
-              <a:t> </a:t>
-            </a:r>
-            <a:r>
-              <a:rPr lang="pt-BR" dirty="0" smtClean="0"/>
-              <a:t>A defini</a:t>
-            </a:r>
-            <a:r>
-              <a:rPr lang="pt-BR" dirty="0" smtClean="0"/>
-              <a:t>ção do protocolo pertence a </a:t>
+              <a:t> A definição do protocolo pertence a </a:t>
             </a:r>
             <a:r>
               <a:rPr lang="pt-BR" b="1" dirty="0" smtClean="0">
@@ -16039,11 +15987,7 @@
             </a:r>
             <a:r>
               <a:rPr lang="pt-BR" dirty="0" smtClean="0"/>
-              <a:t>.</a:t>
-            </a:r>
-            <a:r>
-              <a:rPr lang="pt-BR" dirty="0" smtClean="0"/>
-              <a:t> </a:t>
+              <a:t>. </a:t>
             </a:r>
             <a:endParaRPr lang="pt-BR" dirty="0"/>
           </a:p>
@@ -16294,6 +16238,146 @@
 </p:sld>
 </file>
 
+<file path=ppt/slides/slide18.xml><?xml version="1.0" encoding="utf-8"?>
+<p:sld xmlns:a="http://schemas.openxmlformats.org/drawingml/2006/main" xmlns:r="http://schemas.openxmlformats.org/officeDocument/2006/relationships" xmlns:p="http://schemas.openxmlformats.org/presentationml/2006/main">
+  <p:cSld>
+    <p:spTree>
+      <p:nvGrpSpPr>
+        <p:cNvPr id="1" name=""/>
+        <p:cNvGrpSpPr/>
+        <p:nvPr/>
+      </p:nvGrpSpPr>
+      <p:grpSpPr>
+        <a:xfrm>
+          <a:off x="0" y="0"/>
+          <a:ext cx="0" cy="0"/>
+          <a:chOff x="0" y="0"/>
+          <a:chExt cx="0" cy="0"/>
+        </a:xfrm>
+      </p:grpSpPr>
+      <p:sp>
+        <p:nvSpPr>
+          <p:cNvPr id="2" name="Title 1"/>
+          <p:cNvSpPr>
+            <a:spLocks noGrp="1"/>
+          </p:cNvSpPr>
+          <p:nvPr>
+            <p:ph type="title"/>
+          </p:nvPr>
+        </p:nvSpPr>
+        <p:spPr/>
+        <p:txBody>
+          <a:bodyPr/>
+          <a:lstStyle/>
+          <a:p>
+            <a:r>
+              <a:rPr lang="pt-BR" dirty="0" smtClean="0"/>
+              <a:t>Desafio</a:t>
+            </a:r>
+            <a:endParaRPr lang="pt-BR" dirty="0"/>
+          </a:p>
+        </p:txBody>
+      </p:sp>
+      <p:sp>
+        <p:nvSpPr>
+          <p:cNvPr id="3" name="Content Placeholder 2"/>
+          <p:cNvSpPr>
+            <a:spLocks noGrp="1"/>
+          </p:cNvSpPr>
+          <p:nvPr>
+            <p:ph idx="1"/>
+          </p:nvPr>
+        </p:nvSpPr>
+        <p:spPr/>
+        <p:txBody>
+          <a:bodyPr/>
+          <a:lstStyle/>
+          <a:p>
+            <a:pPr>
+              <a:buFont typeface="Arial"/>
+              <a:buChar char="•"/>
+            </a:pPr>
+            <a:r>
+              <a:rPr lang="pt-BR" dirty="0" smtClean="0"/>
+              <a:t>Carregar um </a:t>
+            </a:r>
+            <a:r>
+              <a:rPr lang="pt-BR" dirty="0" err="1" smtClean="0"/>
+              <a:t>NSArray</a:t>
+            </a:r>
+            <a:r>
+              <a:rPr lang="pt-BR" dirty="0" smtClean="0"/>
+              <a:t> de </a:t>
+            </a:r>
+            <a:r>
+              <a:rPr lang="pt-BR" dirty="0" err="1" smtClean="0"/>
+              <a:t>strings</a:t>
+            </a:r>
+            <a:r>
+              <a:rPr lang="pt-BR" dirty="0" smtClean="0"/>
+              <a:t> a partir de um arquivo </a:t>
+            </a:r>
+            <a:r>
+              <a:rPr lang="pt-BR" dirty="0" err="1" smtClean="0"/>
+              <a:t>plist</a:t>
+            </a:r>
+            <a:r>
+              <a:rPr lang="pt-BR" dirty="0" smtClean="0"/>
+              <a:t>;</a:t>
+            </a:r>
+          </a:p>
+          <a:p>
+            <a:pPr>
+              <a:buFont typeface="Arial"/>
+              <a:buChar char="•"/>
+            </a:pPr>
+            <a:r>
+              <a:rPr lang="pt-BR" dirty="0" smtClean="0"/>
+              <a:t>Mostrar todos os elementos em um </a:t>
+            </a:r>
+            <a:r>
+              <a:rPr lang="pt-BR" dirty="0" err="1" smtClean="0"/>
+              <a:t>UITableView</a:t>
+            </a:r>
+            <a:r>
+              <a:rPr lang="pt-BR" dirty="0" smtClean="0"/>
+              <a:t>;</a:t>
+            </a:r>
+          </a:p>
+          <a:p>
+            <a:pPr>
+              <a:buFont typeface="Arial"/>
+              <a:buChar char="•"/>
+            </a:pPr>
+            <a:r>
+              <a:rPr lang="pt-BR" dirty="0" smtClean="0"/>
+              <a:t>Ao clicar em uma c</a:t>
+            </a:r>
+            <a:r>
+              <a:rPr lang="pt-BR" dirty="0" smtClean="0"/>
+              <a:t>élula, navegar para uma outra tela, onde o “detalhe” daquela célula </a:t>
+            </a:r>
+            <a:r>
+              <a:rPr lang="pt-BR" smtClean="0"/>
+              <a:t>é apresentado.</a:t>
+            </a:r>
+            <a:endParaRPr lang="pt-BR"/>
+          </a:p>
+        </p:txBody>
+      </p:sp>
+    </p:spTree>
+    <p:extLst>
+      <p:ext uri="{BB962C8B-B14F-4D97-AF65-F5344CB8AC3E}">
+        <p14:creationId xmlns:p14="http://schemas.microsoft.com/office/powerpoint/2010/main" val="918582981"/>
+      </p:ext>
+    </p:extLst>
+  </p:cSld>
+  <p:clrMapOvr>
+    <a:masterClrMapping/>
+  </p:clrMapOvr>
+</p:sld>
+</file>
+
 <file path=ppt/slides/slide2.xml><?xml version="1.0" encoding="utf-8"?>
 <p:sld xmlns:a="http://schemas.openxmlformats.org/drawingml/2006/main" xmlns:r="http://schemas.openxmlformats.org/officeDocument/2006/relationships" xmlns:p="http://schemas.openxmlformats.org/presentationml/2006/main">
   <p:cSld>
@@ -16369,11 +16453,7 @@
             </a:r>
             <a:r>
               <a:rPr lang="pt-BR" dirty="0" smtClean="0"/>
-              <a:t> din</a:t>
-            </a:r>
-            <a:r>
-              <a:rPr lang="pt-BR" dirty="0" smtClean="0"/>
-              <a:t>âmica;</a:t>
+              <a:t> dinâmica;</a:t>
             </a:r>
           </a:p>
           <a:p>
@@ -16500,11 +16580,7 @@
             </a:pPr>
             <a:r>
               <a:rPr lang="pt-BR" dirty="0" smtClean="0"/>
-              <a:t>Sanar todas as d</a:t>
-            </a:r>
-            <a:r>
-              <a:rPr lang="pt-BR" dirty="0" smtClean="0"/>
-              <a:t>úvidas na criação de objetos;</a:t>
+              <a:t>Sanar todas as dúvidas na criação de objetos;</a:t>
             </a:r>
           </a:p>
           <a:p>
@@ -16635,11 +16711,7 @@
           <a:p>
             <a:r>
               <a:rPr lang="pt-BR" dirty="0" smtClean="0"/>
-              <a:t>Cria</a:t>
-            </a:r>
-            <a:r>
-              <a:rPr lang="pt-BR" dirty="0" smtClean="0"/>
-              <a:t>ção de Objetos - Construtores</a:t>
+              <a:t>Criação de Objetos - Construtores</a:t>
             </a:r>
             <a:endParaRPr lang="pt-BR" dirty="0"/>
           </a:p>
@@ -17228,11 +17300,7 @@
           <a:p>
             <a:r>
               <a:rPr lang="pt-BR" smtClean="0"/>
-              <a:t>Cria</a:t>
-            </a:r>
-            <a:r>
-              <a:rPr lang="pt-BR" smtClean="0"/>
-              <a:t>ção de Objetos - Construtores</a:t>
+              <a:t>Criação de Objetos - Construtores</a:t>
             </a:r>
             <a:endParaRPr lang="pt-BR"/>
           </a:p>
@@ -17462,11 +17530,7 @@
           <a:p>
             <a:r>
               <a:rPr lang="en-US" dirty="0" err="1" smtClean="0"/>
-              <a:t>Cria</a:t>
-            </a:r>
-            <a:r>
-              <a:rPr lang="en-US" dirty="0" err="1" smtClean="0"/>
-              <a:t>ção</a:t>
+              <a:t>Criação</a:t>
             </a:r>
             <a:r>
               <a:rPr lang="en-US" dirty="0" smtClean="0"/>
@@ -17564,11 +17628,7 @@
             </a:r>
             <a:r>
               <a:rPr lang="pt-BR" dirty="0" smtClean="0"/>
-              <a:t> padr</a:t>
-            </a:r>
-            <a:r>
-              <a:rPr lang="pt-BR" dirty="0" smtClean="0"/>
-              <a:t>ão. Dito isso, nenhum </a:t>
+              <a:t> padrão. Dito isso, nenhum </a:t>
             </a:r>
             <a:r>
               <a:rPr lang="pt-BR" i="1" dirty="0" err="1" smtClean="0"/>
@@ -17646,11 +17706,7 @@
           <a:p>
             <a:r>
               <a:rPr lang="en-US" dirty="0" err="1" smtClean="0"/>
-              <a:t>Cria</a:t>
-            </a:r>
-            <a:r>
-              <a:rPr lang="en-US" dirty="0" err="1" smtClean="0"/>
-              <a:t>ção</a:t>
+              <a:t>Criação</a:t>
             </a:r>
             <a:r>
               <a:rPr lang="en-US" dirty="0" smtClean="0"/>
@@ -18009,11 +18065,7 @@
           <a:p>
             <a:r>
               <a:rPr lang="en-US" dirty="0" err="1" smtClean="0"/>
-              <a:t>Cria</a:t>
-            </a:r>
-            <a:r>
-              <a:rPr lang="en-US" dirty="0" err="1" smtClean="0"/>
-              <a:t>ção</a:t>
+              <a:t>Criação</a:t>
             </a:r>
             <a:r>
               <a:rPr lang="en-US" dirty="0" smtClean="0"/>
@@ -18105,11 +18157,7 @@
             <a:pPr algn="ctr"/>
             <a:r>
               <a:rPr lang="pt-BR" dirty="0" smtClean="0"/>
-              <a:t>S</a:t>
-            </a:r>
-            <a:r>
-              <a:rPr lang="pt-BR" dirty="0" smtClean="0"/>
-              <a:t>ímbolo “+” representa método de classe.</a:t>
+              <a:t>Símbolo “+” representa método de classe.</a:t>
             </a:r>
             <a:endParaRPr lang="pt-BR" dirty="0"/>
           </a:p>
@@ -18240,11 +18288,7 @@
           <a:p>
             <a:r>
               <a:rPr lang="pt-BR" smtClean="0"/>
-              <a:t>Tipagem Din</a:t>
-            </a:r>
-            <a:r>
-              <a:rPr lang="pt-BR" smtClean="0"/>
-              <a:t>âmica</a:t>
+              <a:t>Tipagem Dinâmica</a:t>
             </a:r>
             <a:endParaRPr lang="pt-BR"/>
           </a:p>
@@ -18341,11 +18385,7 @@
             </a:pPr>
             <a:r>
               <a:rPr lang="pt-BR" dirty="0" smtClean="0"/>
-              <a:t>Em tempo de execu</a:t>
-            </a:r>
-            <a:r>
-              <a:rPr lang="pt-BR" dirty="0" smtClean="0"/>
-              <a:t>ção, TODOS os objetos são tratados como </a:t>
+              <a:t>Em tempo de execução, TODOS os objetos são tratados como </a:t>
             </a:r>
             <a:r>
               <a:rPr lang="pt-BR" b="1" dirty="0" smtClean="0">
